--- a/Business/Official Documents/Organizational Chart.pptx
+++ b/Business/Official Documents/Organizational Chart.pptx
@@ -104,6 +104,11 @@
       </a:defRPr>
     </a:lvl9pPr>
   </p:defaultTextStyle>
+  <p:extLst>
+    <p:ext uri="{EFAFB233-063F-42B5-8137-9DF3F51BA10A}">
+      <p15:sldGuideLst xmlns:p15="http://schemas.microsoft.com/office/powerpoint/2012/main"/>
+    </p:ext>
+  </p:extLst>
 </p:presentation>
 </file>
 
@@ -3404,6 +3409,432 @@
           </a:p>
         </p:txBody>
       </p:sp>
+      <p:cxnSp>
+        <p:nvCxnSpPr>
+          <p:cNvPr id="3" name="Straight Connector 2"/>
+          <p:cNvCxnSpPr/>
+          <p:nvPr/>
+        </p:nvCxnSpPr>
+        <p:spPr>
+          <a:xfrm flipH="1">
+            <a:off x="2801389" y="839585"/>
+            <a:ext cx="2568625" cy="490451"/>
+          </a:xfrm>
+          <a:prstGeom prst="line">
+            <a:avLst/>
+          </a:prstGeom>
+        </p:spPr>
+        <p:style>
+          <a:lnRef idx="1">
+            <a:schemeClr val="accent1"/>
+          </a:lnRef>
+          <a:fillRef idx="0">
+            <a:schemeClr val="accent1"/>
+          </a:fillRef>
+          <a:effectRef idx="0">
+            <a:schemeClr val="accent1"/>
+          </a:effectRef>
+          <a:fontRef idx="minor">
+            <a:schemeClr val="tx1"/>
+          </a:fontRef>
+        </p:style>
+      </p:cxnSp>
+      <p:cxnSp>
+        <p:nvCxnSpPr>
+          <p:cNvPr id="15" name="Straight Connector 14"/>
+          <p:cNvCxnSpPr/>
+          <p:nvPr/>
+        </p:nvCxnSpPr>
+        <p:spPr>
+          <a:xfrm flipH="1">
+            <a:off x="4663440" y="857798"/>
+            <a:ext cx="838200" cy="537453"/>
+          </a:xfrm>
+          <a:prstGeom prst="line">
+            <a:avLst/>
+          </a:prstGeom>
+        </p:spPr>
+        <p:style>
+          <a:lnRef idx="1">
+            <a:schemeClr val="accent1"/>
+          </a:lnRef>
+          <a:fillRef idx="0">
+            <a:schemeClr val="accent1"/>
+          </a:fillRef>
+          <a:effectRef idx="0">
+            <a:schemeClr val="accent1"/>
+          </a:effectRef>
+          <a:fontRef idx="minor">
+            <a:schemeClr val="tx1"/>
+          </a:fontRef>
+        </p:style>
+      </p:cxnSp>
+      <p:cxnSp>
+        <p:nvCxnSpPr>
+          <p:cNvPr id="16" name="Straight Connector 15"/>
+          <p:cNvCxnSpPr/>
+          <p:nvPr/>
+        </p:nvCxnSpPr>
+        <p:spPr>
+          <a:xfrm>
+            <a:off x="5597914" y="853807"/>
+            <a:ext cx="897104" cy="526395"/>
+          </a:xfrm>
+          <a:prstGeom prst="line">
+            <a:avLst/>
+          </a:prstGeom>
+        </p:spPr>
+        <p:style>
+          <a:lnRef idx="1">
+            <a:schemeClr val="accent1"/>
+          </a:lnRef>
+          <a:fillRef idx="0">
+            <a:schemeClr val="accent1"/>
+          </a:fillRef>
+          <a:effectRef idx="0">
+            <a:schemeClr val="accent1"/>
+          </a:effectRef>
+          <a:fontRef idx="minor">
+            <a:schemeClr val="tx1"/>
+          </a:fontRef>
+        </p:style>
+      </p:cxnSp>
+      <p:cxnSp>
+        <p:nvCxnSpPr>
+          <p:cNvPr id="18" name="Straight Connector 17"/>
+          <p:cNvCxnSpPr/>
+          <p:nvPr/>
+        </p:nvCxnSpPr>
+        <p:spPr>
+          <a:xfrm>
+            <a:off x="5729540" y="853807"/>
+            <a:ext cx="2217427" cy="476229"/>
+          </a:xfrm>
+          <a:prstGeom prst="line">
+            <a:avLst/>
+          </a:prstGeom>
+        </p:spPr>
+        <p:style>
+          <a:lnRef idx="1">
+            <a:schemeClr val="accent1"/>
+          </a:lnRef>
+          <a:fillRef idx="0">
+            <a:schemeClr val="accent1"/>
+          </a:fillRef>
+          <a:effectRef idx="0">
+            <a:schemeClr val="accent1"/>
+          </a:effectRef>
+          <a:fontRef idx="minor">
+            <a:schemeClr val="tx1"/>
+          </a:fontRef>
+        </p:style>
+      </p:cxnSp>
+      <p:cxnSp>
+        <p:nvCxnSpPr>
+          <p:cNvPr id="19" name="Straight Connector 18"/>
+          <p:cNvCxnSpPr/>
+          <p:nvPr/>
+        </p:nvCxnSpPr>
+        <p:spPr>
+          <a:xfrm>
+            <a:off x="5926960" y="794657"/>
+            <a:ext cx="3782305" cy="535379"/>
+          </a:xfrm>
+          <a:prstGeom prst="line">
+            <a:avLst/>
+          </a:prstGeom>
+        </p:spPr>
+        <p:style>
+          <a:lnRef idx="1">
+            <a:schemeClr val="accent1"/>
+          </a:lnRef>
+          <a:fillRef idx="0">
+            <a:schemeClr val="accent1"/>
+          </a:fillRef>
+          <a:effectRef idx="0">
+            <a:schemeClr val="accent1"/>
+          </a:effectRef>
+          <a:fontRef idx="minor">
+            <a:schemeClr val="tx1"/>
+          </a:fontRef>
+        </p:style>
+      </p:cxnSp>
+      <p:cxnSp>
+        <p:nvCxnSpPr>
+          <p:cNvPr id="23" name="Straight Connector 22"/>
+          <p:cNvCxnSpPr/>
+          <p:nvPr/>
+        </p:nvCxnSpPr>
+        <p:spPr>
+          <a:xfrm flipH="1">
+            <a:off x="4601086" y="1910020"/>
+            <a:ext cx="62354" cy="207649"/>
+          </a:xfrm>
+          <a:prstGeom prst="line">
+            <a:avLst/>
+          </a:prstGeom>
+        </p:spPr>
+        <p:style>
+          <a:lnRef idx="1">
+            <a:schemeClr val="accent1"/>
+          </a:lnRef>
+          <a:fillRef idx="0">
+            <a:schemeClr val="accent1"/>
+          </a:fillRef>
+          <a:effectRef idx="0">
+            <a:schemeClr val="accent1"/>
+          </a:effectRef>
+          <a:fontRef idx="minor">
+            <a:schemeClr val="tx1"/>
+          </a:fontRef>
+        </p:style>
+      </p:cxnSp>
+      <p:cxnSp>
+        <p:nvCxnSpPr>
+          <p:cNvPr id="25" name="Straight Connector 24"/>
+          <p:cNvCxnSpPr/>
+          <p:nvPr/>
+        </p:nvCxnSpPr>
+        <p:spPr>
+          <a:xfrm flipH="1">
+            <a:off x="2896633" y="1963780"/>
+            <a:ext cx="190148" cy="879173"/>
+          </a:xfrm>
+          <a:prstGeom prst="line">
+            <a:avLst/>
+          </a:prstGeom>
+        </p:spPr>
+        <p:style>
+          <a:lnRef idx="1">
+            <a:schemeClr val="accent1"/>
+          </a:lnRef>
+          <a:fillRef idx="0">
+            <a:schemeClr val="accent1"/>
+          </a:fillRef>
+          <a:effectRef idx="0">
+            <a:schemeClr val="accent1"/>
+          </a:effectRef>
+          <a:fontRef idx="minor">
+            <a:schemeClr val="tx1"/>
+          </a:fontRef>
+        </p:style>
+      </p:cxnSp>
+      <p:cxnSp>
+        <p:nvCxnSpPr>
+          <p:cNvPr id="27" name="Straight Connector 26"/>
+          <p:cNvCxnSpPr/>
+          <p:nvPr/>
+        </p:nvCxnSpPr>
+        <p:spPr>
+          <a:xfrm flipH="1">
+            <a:off x="5926960" y="2083279"/>
+            <a:ext cx="632460" cy="759674"/>
+          </a:xfrm>
+          <a:prstGeom prst="line">
+            <a:avLst/>
+          </a:prstGeom>
+        </p:spPr>
+        <p:style>
+          <a:lnRef idx="1">
+            <a:schemeClr val="accent1"/>
+          </a:lnRef>
+          <a:fillRef idx="0">
+            <a:schemeClr val="accent1"/>
+          </a:fillRef>
+          <a:effectRef idx="0">
+            <a:schemeClr val="accent1"/>
+          </a:effectRef>
+          <a:fontRef idx="minor">
+            <a:schemeClr val="tx1"/>
+          </a:fontRef>
+        </p:style>
+      </p:cxnSp>
+      <p:cxnSp>
+        <p:nvCxnSpPr>
+          <p:cNvPr id="29" name="Straight Connector 28"/>
+          <p:cNvCxnSpPr/>
+          <p:nvPr/>
+        </p:nvCxnSpPr>
+        <p:spPr>
+          <a:xfrm flipH="1" flipV="1">
+            <a:off x="6624899" y="2093213"/>
+            <a:ext cx="816374" cy="807929"/>
+          </a:xfrm>
+          <a:prstGeom prst="line">
+            <a:avLst/>
+          </a:prstGeom>
+        </p:spPr>
+        <p:style>
+          <a:lnRef idx="1">
+            <a:schemeClr val="accent1"/>
+          </a:lnRef>
+          <a:fillRef idx="0">
+            <a:schemeClr val="accent1"/>
+          </a:fillRef>
+          <a:effectRef idx="0">
+            <a:schemeClr val="accent1"/>
+          </a:effectRef>
+          <a:fontRef idx="minor">
+            <a:schemeClr val="tx1"/>
+          </a:fontRef>
+        </p:style>
+      </p:cxnSp>
+      <p:cxnSp>
+        <p:nvCxnSpPr>
+          <p:cNvPr id="31" name="Straight Connector 30"/>
+          <p:cNvCxnSpPr/>
+          <p:nvPr/>
+        </p:nvCxnSpPr>
+        <p:spPr>
+          <a:xfrm>
+            <a:off x="7694114" y="2115678"/>
+            <a:ext cx="1404167" cy="727275"/>
+          </a:xfrm>
+          <a:prstGeom prst="line">
+            <a:avLst/>
+          </a:prstGeom>
+        </p:spPr>
+        <p:style>
+          <a:lnRef idx="1">
+            <a:schemeClr val="accent1"/>
+          </a:lnRef>
+          <a:fillRef idx="0">
+            <a:schemeClr val="accent1"/>
+          </a:fillRef>
+          <a:effectRef idx="0">
+            <a:schemeClr val="accent1"/>
+          </a:effectRef>
+          <a:fontRef idx="minor">
+            <a:schemeClr val="tx1"/>
+          </a:fontRef>
+        </p:style>
+      </p:cxnSp>
+      <p:cxnSp>
+        <p:nvCxnSpPr>
+          <p:cNvPr id="33" name="Straight Connector 32"/>
+          <p:cNvCxnSpPr/>
+          <p:nvPr/>
+        </p:nvCxnSpPr>
+        <p:spPr>
+          <a:xfrm>
+            <a:off x="9630980" y="2165251"/>
+            <a:ext cx="1591202" cy="677702"/>
+          </a:xfrm>
+          <a:prstGeom prst="line">
+            <a:avLst/>
+          </a:prstGeom>
+        </p:spPr>
+        <p:style>
+          <a:lnRef idx="1">
+            <a:schemeClr val="accent1"/>
+          </a:lnRef>
+          <a:fillRef idx="0">
+            <a:schemeClr val="accent1"/>
+          </a:fillRef>
+          <a:effectRef idx="0">
+            <a:schemeClr val="accent1"/>
+          </a:effectRef>
+          <a:fontRef idx="minor">
+            <a:schemeClr val="tx1"/>
+          </a:fontRef>
+        </p:style>
+      </p:cxnSp>
+      <p:sp>
+        <p:nvSpPr>
+          <p:cNvPr id="35" name="TextBox 34"/>
+          <p:cNvSpPr txBox="1"/>
+          <p:nvPr/>
+        </p:nvSpPr>
+        <p:spPr>
+          <a:xfrm>
+            <a:off x="8417327" y="3009568"/>
+            <a:ext cx="1537855" cy="523220"/>
+          </a:xfrm>
+          <a:prstGeom prst="rect">
+            <a:avLst/>
+          </a:prstGeom>
+        </p:spPr>
+        <p:style>
+          <a:lnRef idx="2">
+            <a:schemeClr val="dk1"/>
+          </a:lnRef>
+          <a:fillRef idx="1">
+            <a:schemeClr val="lt1"/>
+          </a:fillRef>
+          <a:effectRef idx="0">
+            <a:schemeClr val="dk1"/>
+          </a:effectRef>
+          <a:fontRef idx="minor">
+            <a:schemeClr val="dk1"/>
+          </a:fontRef>
+        </p:style>
+        <p:txBody>
+          <a:bodyPr wrap="square" rtlCol="0">
+            <a:spAutoFit/>
+          </a:bodyPr>
+          <a:lstStyle/>
+          <a:p>
+            <a:pPr algn="ctr"/>
+            <a:r>
+              <a:rPr lang="en-US" sz="1400" dirty="0" smtClean="0"/>
+              <a:t>Senior Mechanical </a:t>
+            </a:r>
+            <a:r>
+              <a:rPr lang="en-US" sz="1400" dirty="0" smtClean="0"/>
+              <a:t>Members</a:t>
+            </a:r>
+            <a:endParaRPr lang="en-US" sz="1400" dirty="0"/>
+          </a:p>
+        </p:txBody>
+      </p:sp>
+      <p:sp>
+        <p:nvSpPr>
+          <p:cNvPr id="36" name="TextBox 35"/>
+          <p:cNvSpPr txBox="1"/>
+          <p:nvPr/>
+        </p:nvSpPr>
+        <p:spPr>
+          <a:xfrm>
+            <a:off x="10300167" y="3024593"/>
+            <a:ext cx="1537855" cy="523220"/>
+          </a:xfrm>
+          <a:prstGeom prst="rect">
+            <a:avLst/>
+          </a:prstGeom>
+        </p:spPr>
+        <p:style>
+          <a:lnRef idx="2">
+            <a:schemeClr val="dk1"/>
+          </a:lnRef>
+          <a:fillRef idx="1">
+            <a:schemeClr val="lt1"/>
+          </a:fillRef>
+          <a:effectRef idx="0">
+            <a:schemeClr val="dk1"/>
+          </a:effectRef>
+          <a:fontRef idx="minor">
+            <a:schemeClr val="dk1"/>
+          </a:fontRef>
+        </p:style>
+        <p:txBody>
+          <a:bodyPr wrap="square" rtlCol="0">
+            <a:spAutoFit/>
+          </a:bodyPr>
+          <a:lstStyle/>
+          <a:p>
+            <a:pPr algn="ctr"/>
+            <a:r>
+              <a:rPr lang="en-US" sz="1400" dirty="0" smtClean="0"/>
+              <a:t>Senior Electrical </a:t>
+            </a:r>
+            <a:r>
+              <a:rPr lang="en-US" sz="1400" dirty="0" smtClean="0"/>
+              <a:t>members</a:t>
+            </a:r>
+            <a:endParaRPr lang="en-US" sz="1400" dirty="0"/>
+          </a:p>
+        </p:txBody>
+      </p:sp>
     </p:spTree>
     <p:extLst>
       <p:ext uri="{BB962C8B-B14F-4D97-AF65-F5344CB8AC3E}">
